--- a/Promocija/Predstavitev/Predstavitev.pptx
+++ b/Promocija/Predstavitev/Predstavitev.pptx
@@ -110,6 +110,11 @@
       </a:defRPr>
     </a:lvl9pPr>
   </p:defaultTextStyle>
+  <p:extLst>
+    <p:ext uri="{EFAFB233-063F-42B5-8137-9DF3F51BA10A}">
+      <p15:sldGuideLst xmlns:p15="http://schemas.microsoft.com/office/powerpoint/2012/main"/>
+    </p:ext>
+  </p:extLst>
 </p:presentation>
 </file>
 
@@ -6296,10 +6301,10 @@
       </p:sp>
       <p:pic>
         <p:nvPicPr>
-          <p:cNvPr id="5" name="Označba mesta vsebine 4">
+          <p:cNvPr id="7" name="Označba mesta vsebine 6">
             <a:extLst>
               <a:ext uri="{FF2B5EF4-FFF2-40B4-BE49-F238E27FC236}">
-                <a16:creationId xmlns:a16="http://schemas.microsoft.com/office/drawing/2014/main" id="{DE84CFE5-DBBE-B574-F35E-75D4EAE07F8D}"/>
+                <a16:creationId xmlns:a16="http://schemas.microsoft.com/office/drawing/2014/main" id="{41DFB8D5-60DA-1471-E078-3C310BFD6A2B}"/>
               </a:ext>
             </a:extLst>
           </p:cNvPr>
@@ -6312,13 +6317,13 @@
         </p:nvPicPr>
         <p:blipFill rotWithShape="1">
           <a:blip r:embed="rId2"/>
-          <a:srcRect t="4871" b="9231"/>
+          <a:srcRect t="4873" b="9743"/>
           <a:stretch/>
         </p:blipFill>
         <p:spPr>
           <a:xfrm>
-            <a:off x="1162319" y="1047750"/>
-            <a:ext cx="9856714" cy="4762499"/>
+            <a:off x="438605" y="714374"/>
+            <a:ext cx="11304142" cy="5429251"/>
           </a:xfrm>
         </p:spPr>
       </p:pic>
@@ -6379,10 +6384,10 @@
       </p:sp>
       <p:pic>
         <p:nvPicPr>
-          <p:cNvPr id="5" name="Označba mesta vsebine 4">
+          <p:cNvPr id="7" name="Označba mesta vsebine 6">
             <a:extLst>
               <a:ext uri="{FF2B5EF4-FFF2-40B4-BE49-F238E27FC236}">
-                <a16:creationId xmlns:a16="http://schemas.microsoft.com/office/drawing/2014/main" id="{CAB2DDDB-9526-A837-8563-459AA9455B39}"/>
+                <a16:creationId xmlns:a16="http://schemas.microsoft.com/office/drawing/2014/main" id="{5D28C97A-5938-E6E8-EBDC-9B33CCBEB44E}"/>
               </a:ext>
             </a:extLst>
           </p:cNvPr>
@@ -6395,13 +6400,13 @@
         </p:nvPicPr>
         <p:blipFill rotWithShape="1">
           <a:blip r:embed="rId2"/>
-          <a:srcRect l="8" t="2821" r="-8" b="11538"/>
+          <a:srcRect b="9488"/>
           <a:stretch/>
         </p:blipFill>
         <p:spPr>
           <a:xfrm>
-            <a:off x="1058587" y="1004888"/>
-            <a:ext cx="10064177" cy="4848224"/>
+            <a:off x="520305" y="592931"/>
+            <a:ext cx="11140742" cy="5672137"/>
           </a:xfrm>
         </p:spPr>
       </p:pic>
@@ -6545,10 +6550,10 @@
       </p:sp>
       <p:pic>
         <p:nvPicPr>
-          <p:cNvPr id="9" name="Označba mesta vsebine 8">
+          <p:cNvPr id="6" name="Označba mesta vsebine 5">
             <a:extLst>
               <a:ext uri="{FF2B5EF4-FFF2-40B4-BE49-F238E27FC236}">
-                <a16:creationId xmlns:a16="http://schemas.microsoft.com/office/drawing/2014/main" id="{27C68BD9-F9EB-812A-54EF-EB9ABBAFBFC1}"/>
+                <a16:creationId xmlns:a16="http://schemas.microsoft.com/office/drawing/2014/main" id="{75341DBA-259E-78EC-E6EC-CED7E0AA3155}"/>
               </a:ext>
             </a:extLst>
           </p:cNvPr>
@@ -6561,13 +6566,13 @@
         </p:nvPicPr>
         <p:blipFill rotWithShape="1">
           <a:blip r:embed="rId2"/>
-          <a:srcRect t="4466" b="9895"/>
+          <a:srcRect b="11026"/>
           <a:stretch/>
         </p:blipFill>
         <p:spPr>
           <a:xfrm>
-            <a:off x="267566" y="623887"/>
-            <a:ext cx="11646220" cy="5610225"/>
+            <a:off x="67143" y="414337"/>
+            <a:ext cx="12047066" cy="6029325"/>
           </a:xfrm>
         </p:spPr>
       </p:pic>
@@ -6628,10 +6633,10 @@
       </p:sp>
       <p:pic>
         <p:nvPicPr>
-          <p:cNvPr id="7" name="Označba mesta vsebine 6">
+          <p:cNvPr id="6" name="Označba mesta vsebine 5">
             <a:extLst>
               <a:ext uri="{FF2B5EF4-FFF2-40B4-BE49-F238E27FC236}">
-                <a16:creationId xmlns:a16="http://schemas.microsoft.com/office/drawing/2014/main" id="{E82C1564-0276-CE31-E4CF-184FCF18D35D}"/>
+                <a16:creationId xmlns:a16="http://schemas.microsoft.com/office/drawing/2014/main" id="{B9F2F210-BB95-2097-B8CC-3B5CC708817B}"/>
               </a:ext>
             </a:extLst>
           </p:cNvPr>
@@ -6644,13 +6649,13 @@
         </p:nvPicPr>
         <p:blipFill rotWithShape="1">
           <a:blip r:embed="rId2"/>
-          <a:srcRect t="4044" b="9743"/>
+          <a:srcRect b="10702"/>
           <a:stretch/>
         </p:blipFill>
         <p:spPr>
           <a:xfrm>
-            <a:off x="600954" y="766762"/>
-            <a:ext cx="10979443" cy="5324475"/>
+            <a:off x="292840" y="516731"/>
+            <a:ext cx="11595672" cy="5824537"/>
           </a:xfrm>
         </p:spPr>
       </p:pic>
@@ -6711,10 +6716,10 @@
       </p:sp>
       <p:pic>
         <p:nvPicPr>
-          <p:cNvPr id="5" name="Označba mesta vsebine 4">
+          <p:cNvPr id="7" name="Označba mesta vsebine 6">
             <a:extLst>
               <a:ext uri="{FF2B5EF4-FFF2-40B4-BE49-F238E27FC236}">
-                <a16:creationId xmlns:a16="http://schemas.microsoft.com/office/drawing/2014/main" id="{6366CAB9-43F7-3B31-FAC0-6BAA740E1FFE}"/>
+                <a16:creationId xmlns:a16="http://schemas.microsoft.com/office/drawing/2014/main" id="{BE79C1BA-34F5-31E0-C229-30E1D7584137}"/>
               </a:ext>
             </a:extLst>
           </p:cNvPr>
@@ -6727,13 +6732,13 @@
         </p:nvPicPr>
         <p:blipFill rotWithShape="1">
           <a:blip r:embed="rId2"/>
-          <a:srcRect t="3590" b="4872"/>
+          <a:srcRect b="10513"/>
           <a:stretch/>
         </p:blipFill>
         <p:spPr>
           <a:xfrm>
-            <a:off x="556614" y="579490"/>
-            <a:ext cx="11068124" cy="5699020"/>
+            <a:off x="913795" y="823912"/>
+            <a:ext cx="10350682" cy="5210175"/>
           </a:xfrm>
         </p:spPr>
       </p:pic>
